--- a/十大易用性檢討.pptx
+++ b/十大易用性檢討.pptx
@@ -7,6 +7,8 @@
   <p:sldIdLst>
     <p:sldId id="256" r:id="rId2"/>
     <p:sldId id="257" r:id="rId3"/>
+    <p:sldId id="258" r:id="rId4"/>
+    <p:sldId id="259" r:id="rId5"/>
   </p:sldIdLst>
   <p:sldSz cx="12192000" cy="6858000"/>
   <p:notesSz cx="6858000" cy="9144000"/>
@@ -3627,6 +3629,453 @@
 </p:sld>
 </file>
 
+<file path=ppt/slides/slide3.xml><?xml version="1.0" encoding="utf-8"?>
+<p:sld xmlns:a="http://schemas.openxmlformats.org/drawingml/2006/main" xmlns:r="http://schemas.openxmlformats.org/officeDocument/2006/relationships" xmlns:p="http://schemas.openxmlformats.org/presentationml/2006/main">
+  <p:cSld>
+    <p:spTree>
+      <p:nvGrpSpPr>
+        <p:cNvPr id="1" name=""/>
+        <p:cNvGrpSpPr/>
+        <p:nvPr/>
+      </p:nvGrpSpPr>
+      <p:grpSpPr>
+        <a:xfrm>
+          <a:off x="0" y="0"/>
+          <a:ext cx="0" cy="0"/>
+          <a:chOff x="0" y="0"/>
+          <a:chExt cx="0" cy="0"/>
+        </a:xfrm>
+      </p:grpSpPr>
+      <p:sp>
+        <p:nvSpPr>
+          <p:cNvPr id="2" name="標題 1"/>
+          <p:cNvSpPr>
+            <a:spLocks noGrp="1"/>
+          </p:cNvSpPr>
+          <p:nvPr>
+            <p:ph type="title"/>
+          </p:nvPr>
+        </p:nvSpPr>
+        <p:spPr/>
+        <p:txBody>
+          <a:bodyPr/>
+          <a:lstStyle/>
+          <a:p>
+            <a:r>
+              <a:rPr lang="en-US" altLang="zh-TW" dirty="0" smtClean="0"/>
+              <a:t>7.</a:t>
+            </a:r>
+            <a:r>
+              <a:rPr lang="zh-TW" altLang="en-US" dirty="0" smtClean="0"/>
+              <a:t>彈性與使用效率</a:t>
+            </a:r>
+            <a:endParaRPr lang="zh-TW" altLang="en-US" dirty="0"/>
+          </a:p>
+        </p:txBody>
+      </p:sp>
+      <p:pic>
+        <p:nvPicPr>
+          <p:cNvPr id="1026" name="Picture 2"/>
+          <p:cNvPicPr>
+            <a:picLocks noChangeAspect="1" noChangeArrowheads="1"/>
+          </p:cNvPicPr>
+          <p:nvPr/>
+        </p:nvPicPr>
+        <p:blipFill>
+          <a:blip r:embed="rId2">
+            <a:extLst>
+              <a:ext uri="{28A0092B-C50C-407E-A947-70E740481C1C}">
+                <a14:useLocalDpi xmlns:a14="http://schemas.microsoft.com/office/drawing/2010/main" val="0"/>
+              </a:ext>
+            </a:extLst>
+          </a:blip>
+          <a:srcRect/>
+          <a:stretch>
+            <a:fillRect/>
+          </a:stretch>
+        </p:blipFill>
+        <p:spPr bwMode="auto">
+          <a:xfrm>
+            <a:off x="279399" y="2440141"/>
+            <a:ext cx="9194801" cy="4308737"/>
+          </a:xfrm>
+          <a:prstGeom prst="rect">
+            <a:avLst/>
+          </a:prstGeom>
+          <a:noFill/>
+          <a:ln>
+            <a:noFill/>
+          </a:ln>
+          <a:effectLst/>
+          <a:extLst>
+            <a:ext uri="{909E8E84-426E-40DD-AFC4-6F175D3DCCD1}">
+              <a14:hiddenFill xmlns:a14="http://schemas.microsoft.com/office/drawing/2010/main">
+                <a:solidFill>
+                  <a:schemeClr val="accent1"/>
+                </a:solidFill>
+              </a14:hiddenFill>
+            </a:ext>
+            <a:ext uri="{91240B29-F687-4F45-9708-019B960494DF}">
+              <a14:hiddenLine xmlns:a14="http://schemas.microsoft.com/office/drawing/2010/main" w="9525">
+                <a:solidFill>
+                  <a:schemeClr val="tx1"/>
+                </a:solidFill>
+                <a:miter lim="800000"/>
+                <a:headEnd/>
+                <a:tailEnd/>
+              </a14:hiddenLine>
+            </a:ext>
+            <a:ext uri="{AF507438-7753-43E0-B8FC-AC1667EBCBE1}">
+              <a14:hiddenEffects xmlns:a14="http://schemas.microsoft.com/office/drawing/2010/main">
+                <a:effectLst>
+                  <a:outerShdw dist="35921" dir="2700000" algn="ctr" rotWithShape="0">
+                    <a:schemeClr val="bg2"/>
+                  </a:outerShdw>
+                </a:effectLst>
+              </a14:hiddenEffects>
+            </a:ext>
+          </a:extLst>
+        </p:spPr>
+      </p:pic>
+      <p:sp>
+        <p:nvSpPr>
+          <p:cNvPr id="4" name="文字方塊 3"/>
+          <p:cNvSpPr txBox="1"/>
+          <p:nvPr/>
+        </p:nvSpPr>
+        <p:spPr>
+          <a:xfrm>
+            <a:off x="3860800" y="1721366"/>
+            <a:ext cx="2527300" cy="369332"/>
+          </a:xfrm>
+          <a:prstGeom prst="rect">
+            <a:avLst/>
+          </a:prstGeom>
+          <a:noFill/>
+        </p:spPr>
+        <p:txBody>
+          <a:bodyPr wrap="square" rtlCol="0">
+            <a:spAutoFit/>
+          </a:bodyPr>
+          <a:lstStyle/>
+          <a:p>
+            <a:r>
+              <a:rPr lang="zh-TW" altLang="en-US" dirty="0" smtClean="0"/>
+              <a:t>問題：頁面太長</a:t>
+            </a:r>
+            <a:endParaRPr lang="zh-TW" altLang="en-US" dirty="0"/>
+          </a:p>
+        </p:txBody>
+      </p:sp>
+      <p:cxnSp>
+        <p:nvCxnSpPr>
+          <p:cNvPr id="8" name="直線單箭頭接點 7"/>
+          <p:cNvCxnSpPr/>
+          <p:nvPr/>
+        </p:nvCxnSpPr>
+        <p:spPr>
+          <a:xfrm>
+            <a:off x="5124450" y="2209800"/>
+            <a:ext cx="4102099" cy="2200044"/>
+          </a:xfrm>
+          <a:prstGeom prst="straightConnector1">
+            <a:avLst/>
+          </a:prstGeom>
+          <a:ln>
+            <a:tailEnd type="arrow"/>
+          </a:ln>
+        </p:spPr>
+        <p:style>
+          <a:lnRef idx="1">
+            <a:schemeClr val="dk1"/>
+          </a:lnRef>
+          <a:fillRef idx="0">
+            <a:schemeClr val="dk1"/>
+          </a:fillRef>
+          <a:effectRef idx="0">
+            <a:schemeClr val="dk1"/>
+          </a:effectRef>
+          <a:fontRef idx="minor">
+            <a:schemeClr val="tx1"/>
+          </a:fontRef>
+        </p:style>
+      </p:cxnSp>
+      <p:sp>
+        <p:nvSpPr>
+          <p:cNvPr id="11" name="文字方塊 10"/>
+          <p:cNvSpPr txBox="1"/>
+          <p:nvPr/>
+        </p:nvSpPr>
+        <p:spPr>
+          <a:xfrm>
+            <a:off x="7607300" y="1721366"/>
+            <a:ext cx="3543300" cy="369332"/>
+          </a:xfrm>
+          <a:prstGeom prst="rect">
+            <a:avLst/>
+          </a:prstGeom>
+          <a:noFill/>
+        </p:spPr>
+        <p:txBody>
+          <a:bodyPr wrap="square" rtlCol="0">
+            <a:spAutoFit/>
+          </a:bodyPr>
+          <a:lstStyle/>
+          <a:p>
+            <a:r>
+              <a:rPr lang="zh-TW" altLang="en-US" dirty="0"/>
+              <a:t>解決辦法</a:t>
+            </a:r>
+            <a:r>
+              <a:rPr lang="zh-TW" altLang="en-US" dirty="0" smtClean="0"/>
+              <a:t>：加個按鈕 回到頂層</a:t>
+            </a:r>
+            <a:endParaRPr lang="zh-TW" altLang="en-US" dirty="0"/>
+          </a:p>
+        </p:txBody>
+      </p:sp>
+    </p:spTree>
+    <p:extLst>
+      <p:ext uri="{BB962C8B-B14F-4D97-AF65-F5344CB8AC3E}">
+        <p14:creationId xmlns:p14="http://schemas.microsoft.com/office/powerpoint/2010/main" val="2278591263"/>
+      </p:ext>
+    </p:extLst>
+  </p:cSld>
+  <p:clrMapOvr>
+    <a:masterClrMapping/>
+  </p:clrMapOvr>
+</p:sld>
+</file>
+
+<file path=ppt/slides/slide4.xml><?xml version="1.0" encoding="utf-8"?>
+<p:sld xmlns:a="http://schemas.openxmlformats.org/drawingml/2006/main" xmlns:r="http://schemas.openxmlformats.org/officeDocument/2006/relationships" xmlns:p="http://schemas.openxmlformats.org/presentationml/2006/main">
+  <p:cSld>
+    <p:spTree>
+      <p:nvGrpSpPr>
+        <p:cNvPr id="1" name=""/>
+        <p:cNvGrpSpPr/>
+        <p:nvPr/>
+      </p:nvGrpSpPr>
+      <p:grpSpPr>
+        <a:xfrm>
+          <a:off x="0" y="0"/>
+          <a:ext cx="0" cy="0"/>
+          <a:chOff x="0" y="0"/>
+          <a:chExt cx="0" cy="0"/>
+        </a:xfrm>
+      </p:grpSpPr>
+      <p:sp>
+        <p:nvSpPr>
+          <p:cNvPr id="2" name="標題 1"/>
+          <p:cNvSpPr>
+            <a:spLocks noGrp="1"/>
+          </p:cNvSpPr>
+          <p:nvPr>
+            <p:ph type="title"/>
+          </p:nvPr>
+        </p:nvSpPr>
+        <p:spPr/>
+        <p:txBody>
+          <a:bodyPr/>
+          <a:lstStyle/>
+          <a:p>
+            <a:r>
+              <a:rPr lang="en-US" altLang="zh-TW" dirty="0"/>
+              <a:t>6</a:t>
+            </a:r>
+            <a:r>
+              <a:rPr lang="en-US" altLang="zh-TW" dirty="0" smtClean="0"/>
+              <a:t>.</a:t>
+            </a:r>
+            <a:r>
+              <a:rPr lang="zh-TW" altLang="en-US" dirty="0"/>
+              <a:t>辨識而非記憶</a:t>
+            </a:r>
+          </a:p>
+        </p:txBody>
+      </p:sp>
+      <p:pic>
+        <p:nvPicPr>
+          <p:cNvPr id="2050" name="Picture 2"/>
+          <p:cNvPicPr>
+            <a:picLocks noChangeAspect="1" noChangeArrowheads="1"/>
+          </p:cNvPicPr>
+          <p:nvPr/>
+        </p:nvPicPr>
+        <p:blipFill>
+          <a:blip r:embed="rId2">
+            <a:extLst>
+              <a:ext uri="{28A0092B-C50C-407E-A947-70E740481C1C}">
+                <a14:useLocalDpi xmlns:a14="http://schemas.microsoft.com/office/drawing/2010/main" val="0"/>
+              </a:ext>
+            </a:extLst>
+          </a:blip>
+          <a:srcRect/>
+          <a:stretch>
+            <a:fillRect/>
+          </a:stretch>
+        </p:blipFill>
+        <p:spPr bwMode="auto">
+          <a:xfrm>
+            <a:off x="1524000" y="2032057"/>
+            <a:ext cx="9764713" cy="4560830"/>
+          </a:xfrm>
+          <a:prstGeom prst="rect">
+            <a:avLst/>
+          </a:prstGeom>
+          <a:noFill/>
+          <a:ln>
+            <a:noFill/>
+          </a:ln>
+          <a:effectLst/>
+          <a:extLst>
+            <a:ext uri="{909E8E84-426E-40DD-AFC4-6F175D3DCCD1}">
+              <a14:hiddenFill xmlns:a14="http://schemas.microsoft.com/office/drawing/2010/main">
+                <a:solidFill>
+                  <a:schemeClr val="accent1"/>
+                </a:solidFill>
+              </a14:hiddenFill>
+            </a:ext>
+            <a:ext uri="{91240B29-F687-4F45-9708-019B960494DF}">
+              <a14:hiddenLine xmlns:a14="http://schemas.microsoft.com/office/drawing/2010/main" w="9525">
+                <a:solidFill>
+                  <a:schemeClr val="tx1"/>
+                </a:solidFill>
+                <a:miter lim="800000"/>
+                <a:headEnd/>
+                <a:tailEnd/>
+              </a14:hiddenLine>
+            </a:ext>
+            <a:ext uri="{AF507438-7753-43E0-B8FC-AC1667EBCBE1}">
+              <a14:hiddenEffects xmlns:a14="http://schemas.microsoft.com/office/drawing/2010/main">
+                <a:effectLst>
+                  <a:outerShdw dist="35921" dir="2700000" algn="ctr" rotWithShape="0">
+                    <a:schemeClr val="bg2"/>
+                  </a:outerShdw>
+                </a:effectLst>
+              </a14:hiddenEffects>
+            </a:ext>
+          </a:extLst>
+        </p:spPr>
+      </p:pic>
+      <p:sp>
+        <p:nvSpPr>
+          <p:cNvPr id="5" name="文字方塊 4"/>
+          <p:cNvSpPr txBox="1"/>
+          <p:nvPr/>
+        </p:nvSpPr>
+        <p:spPr>
+          <a:xfrm>
+            <a:off x="266700" y="1536700"/>
+            <a:ext cx="3797300" cy="369332"/>
+          </a:xfrm>
+          <a:prstGeom prst="rect">
+            <a:avLst/>
+          </a:prstGeom>
+          <a:noFill/>
+        </p:spPr>
+        <p:txBody>
+          <a:bodyPr wrap="square" rtlCol="0">
+            <a:spAutoFit/>
+          </a:bodyPr>
+          <a:lstStyle/>
+          <a:p>
+            <a:r>
+              <a:rPr lang="zh-TW" altLang="en-US" dirty="0"/>
+              <a:t>問題</a:t>
+            </a:r>
+            <a:r>
+              <a:rPr lang="zh-TW" altLang="en-US" dirty="0" smtClean="0"/>
+              <a:t>：無法得知目前頁面位置</a:t>
+            </a:r>
+            <a:endParaRPr lang="zh-TW" altLang="en-US" dirty="0"/>
+          </a:p>
+        </p:txBody>
+      </p:sp>
+      <p:cxnSp>
+        <p:nvCxnSpPr>
+          <p:cNvPr id="6" name="直線單箭頭接點 5"/>
+          <p:cNvCxnSpPr/>
+          <p:nvPr/>
+        </p:nvCxnSpPr>
+        <p:spPr>
+          <a:xfrm>
+            <a:off x="3524250" y="1721366"/>
+            <a:ext cx="2419350" cy="310691"/>
+          </a:xfrm>
+          <a:prstGeom prst="straightConnector1">
+            <a:avLst/>
+          </a:prstGeom>
+          <a:ln>
+            <a:tailEnd type="arrow"/>
+          </a:ln>
+        </p:spPr>
+        <p:style>
+          <a:lnRef idx="1">
+            <a:schemeClr val="dk1"/>
+          </a:lnRef>
+          <a:fillRef idx="0">
+            <a:schemeClr val="dk1"/>
+          </a:fillRef>
+          <a:effectRef idx="0">
+            <a:schemeClr val="dk1"/>
+          </a:effectRef>
+          <a:fontRef idx="minor">
+            <a:schemeClr val="tx1"/>
+          </a:fontRef>
+        </p:style>
+      </p:cxnSp>
+      <p:sp>
+        <p:nvSpPr>
+          <p:cNvPr id="7" name="文字方塊 6"/>
+          <p:cNvSpPr txBox="1"/>
+          <p:nvPr/>
+        </p:nvSpPr>
+        <p:spPr>
+          <a:xfrm>
+            <a:off x="7010400" y="1358900"/>
+            <a:ext cx="3543300" cy="646331"/>
+          </a:xfrm>
+          <a:prstGeom prst="rect">
+            <a:avLst/>
+          </a:prstGeom>
+          <a:noFill/>
+        </p:spPr>
+        <p:txBody>
+          <a:bodyPr wrap="square" rtlCol="0">
+            <a:spAutoFit/>
+          </a:bodyPr>
+          <a:lstStyle/>
+          <a:p>
+            <a:r>
+              <a:rPr lang="zh-TW" altLang="en-US" dirty="0"/>
+              <a:t>解決</a:t>
+            </a:r>
+            <a:r>
+              <a:rPr lang="zh-TW" altLang="en-US"/>
+              <a:t>辦法</a:t>
+            </a:r>
+            <a:r>
+              <a:rPr lang="zh-TW" altLang="en-US" smtClean="0"/>
+              <a:t>：加個麵包屑 讓使用者知道目前頁面是在哪邊</a:t>
+            </a:r>
+            <a:endParaRPr lang="zh-TW" altLang="en-US" dirty="0"/>
+          </a:p>
+        </p:txBody>
+      </p:sp>
+    </p:spTree>
+    <p:extLst>
+      <p:ext uri="{BB962C8B-B14F-4D97-AF65-F5344CB8AC3E}">
+        <p14:creationId xmlns:p14="http://schemas.microsoft.com/office/powerpoint/2010/main" val="2120126825"/>
+      </p:ext>
+    </p:extLst>
+  </p:cSld>
+  <p:clrMapOvr>
+    <a:masterClrMapping/>
+  </p:clrMapOvr>
+</p:sld>
+</file>
+
 <file path=ppt/theme/theme1.xml><?xml version="1.0" encoding="utf-8"?>
 <a:theme xmlns:a="http://schemas.openxmlformats.org/drawingml/2006/main" name="Office 佈景主題">
   <a:themeElements>
@@ -3670,7 +4119,7 @@
     </a:clrScheme>
     <a:fontScheme name="Office">
       <a:majorFont>
-        <a:latin typeface="Calibri Light" panose="020F0302020204030204"/>
+        <a:latin typeface="Calibri Light"/>
         <a:ea typeface=""/>
         <a:cs typeface=""/>
         <a:font script="Jpan" typeface="游ゴシック Light"/>
@@ -3705,7 +4154,7 @@
         <a:font script="Geor" typeface="Sylfaen"/>
       </a:majorFont>
       <a:minorFont>
-        <a:latin typeface="Calibri" panose="020F0502020204030204"/>
+        <a:latin typeface="Calibri"/>
         <a:ea typeface=""/>
         <a:cs typeface=""/>
         <a:font script="Jpan" typeface="游ゴシック"/>
@@ -3882,7 +4331,7 @@
   <a:extraClrSchemeLst/>
   <a:extLst>
     <a:ext uri="{05A4C25C-085E-4340-85A3-A5531E510DB2}">
-      <thm15:themeFamily xmlns:thm15="http://schemas.microsoft.com/office/thememl/2012/main" name="Office Theme" id="{62F939B6-93AF-4DB8-9C6B-D6C7DFDC589F}" vid="{4A3C46E8-61CC-4603-A589-7422A47A8E4A}"/>
+      <thm15:themeFamily xmlns:thm15="http://schemas.microsoft.com/office/thememl/2012/main" xmlns="" name="Office Theme" id="{62F939B6-93AF-4DB8-9C6B-D6C7DFDC589F}" vid="{4A3C46E8-61CC-4603-A589-7422A47A8E4A}"/>
     </a:ext>
   </a:extLst>
 </a:theme>

--- a/十大易用性檢討.pptx
+++ b/十大易用性檢討.pptx
@@ -9,6 +9,8 @@
     <p:sldId id="257" r:id="rId3"/>
     <p:sldId id="258" r:id="rId4"/>
     <p:sldId id="259" r:id="rId5"/>
+    <p:sldId id="260" r:id="rId6"/>
+    <p:sldId id="261" r:id="rId7"/>
   </p:sldIdLst>
   <p:sldSz cx="12192000" cy="6858000"/>
   <p:notesSz cx="6858000" cy="9144000"/>
@@ -107,7 +109,35 @@
       </a:defRPr>
     </a:lvl9pPr>
   </p:defaultTextStyle>
+  <p:extLst>
+    <p:ext uri="{EFAFB233-063F-42B5-8137-9DF3F51BA10A}">
+      <p15:sldGuideLst xmlns:p15="http://schemas.microsoft.com/office/powerpoint/2012/main">
+        <p15:guide id="1" orient="horz" pos="2160">
+          <p15:clr>
+            <a:srgbClr val="A4A3A4"/>
+          </p15:clr>
+        </p15:guide>
+        <p15:guide id="2" pos="3840">
+          <p15:clr>
+            <a:srgbClr val="A4A3A4"/>
+          </p15:clr>
+        </p15:guide>
+      </p15:sldGuideLst>
+    </p:ext>
+  </p:extLst>
 </p:presentation>
+</file>
+
+<file path=ppt/commentAuthors.xml><?xml version="1.0" encoding="utf-8"?>
+<p:cmAuthorLst xmlns:a="http://schemas.openxmlformats.org/drawingml/2006/main" xmlns:r="http://schemas.openxmlformats.org/officeDocument/2006/relationships" xmlns:p="http://schemas.openxmlformats.org/presentationml/2006/main">
+  <p:cmAuthor id="1" name="Yu Tian Chou" initials="YTC" lastIdx="2" clrIdx="0">
+    <p:extLst>
+      <p:ext uri="{19B8F6BF-5375-455C-9EA6-DF929625EA0E}">
+        <p15:presenceInfo xmlns:p15="http://schemas.microsoft.com/office/powerpoint/2012/main" userId="52d96af710b0e36c" providerId="Windows Live"/>
+      </p:ext>
+    </p:extLst>
+  </p:cmAuthor>
+</p:cmAuthorLst>
 </file>
 
 <file path=ppt/slideLayouts/slideLayout1.xml><?xml version="1.0" encoding="utf-8"?>
@@ -241,7 +271,7 @@
           <a:p>
             <a:fld id="{E59C1D85-3BA3-460B-8D23-230F801543DD}" type="datetimeFigureOut">
               <a:rPr lang="en-US" smtClean="0"/>
-              <a:t>5/23/2018</a:t>
+              <a:t>5/24/2018</a:t>
             </a:fld>
             <a:endParaRPr lang="en-US"/>
           </a:p>
@@ -411,7 +441,7 @@
           <a:p>
             <a:fld id="{E59C1D85-3BA3-460B-8D23-230F801543DD}" type="datetimeFigureOut">
               <a:rPr lang="en-US" smtClean="0"/>
-              <a:t>5/23/2018</a:t>
+              <a:t>5/24/2018</a:t>
             </a:fld>
             <a:endParaRPr lang="en-US"/>
           </a:p>
@@ -591,7 +621,7 @@
           <a:p>
             <a:fld id="{E59C1D85-3BA3-460B-8D23-230F801543DD}" type="datetimeFigureOut">
               <a:rPr lang="en-US" smtClean="0"/>
-              <a:t>5/23/2018</a:t>
+              <a:t>5/24/2018</a:t>
             </a:fld>
             <a:endParaRPr lang="en-US"/>
           </a:p>
@@ -761,7 +791,7 @@
           <a:p>
             <a:fld id="{E59C1D85-3BA3-460B-8D23-230F801543DD}" type="datetimeFigureOut">
               <a:rPr lang="en-US" smtClean="0"/>
-              <a:t>5/23/2018</a:t>
+              <a:t>5/24/2018</a:t>
             </a:fld>
             <a:endParaRPr lang="en-US"/>
           </a:p>
@@ -1007,7 +1037,7 @@
           <a:p>
             <a:fld id="{E59C1D85-3BA3-460B-8D23-230F801543DD}" type="datetimeFigureOut">
               <a:rPr lang="en-US" smtClean="0"/>
-              <a:t>5/23/2018</a:t>
+              <a:t>5/24/2018</a:t>
             </a:fld>
             <a:endParaRPr lang="en-US"/>
           </a:p>
@@ -1239,7 +1269,7 @@
           <a:p>
             <a:fld id="{E59C1D85-3BA3-460B-8D23-230F801543DD}" type="datetimeFigureOut">
               <a:rPr lang="en-US" smtClean="0"/>
-              <a:t>5/23/2018</a:t>
+              <a:t>5/24/2018</a:t>
             </a:fld>
             <a:endParaRPr lang="en-US"/>
           </a:p>
@@ -1606,7 +1636,7 @@
           <a:p>
             <a:fld id="{E59C1D85-3BA3-460B-8D23-230F801543DD}" type="datetimeFigureOut">
               <a:rPr lang="en-US" smtClean="0"/>
-              <a:t>5/23/2018</a:t>
+              <a:t>5/24/2018</a:t>
             </a:fld>
             <a:endParaRPr lang="en-US"/>
           </a:p>
@@ -1724,7 +1754,7 @@
           <a:p>
             <a:fld id="{E59C1D85-3BA3-460B-8D23-230F801543DD}" type="datetimeFigureOut">
               <a:rPr lang="en-US" smtClean="0"/>
-              <a:t>5/23/2018</a:t>
+              <a:t>5/24/2018</a:t>
             </a:fld>
             <a:endParaRPr lang="en-US"/>
           </a:p>
@@ -1819,7 +1849,7 @@
           <a:p>
             <a:fld id="{E59C1D85-3BA3-460B-8D23-230F801543DD}" type="datetimeFigureOut">
               <a:rPr lang="en-US" smtClean="0"/>
-              <a:t>5/23/2018</a:t>
+              <a:t>5/24/2018</a:t>
             </a:fld>
             <a:endParaRPr lang="en-US"/>
           </a:p>
@@ -2096,7 +2126,7 @@
           <a:p>
             <a:fld id="{E59C1D85-3BA3-460B-8D23-230F801543DD}" type="datetimeFigureOut">
               <a:rPr lang="en-US" smtClean="0"/>
-              <a:t>5/23/2018</a:t>
+              <a:t>5/24/2018</a:t>
             </a:fld>
             <a:endParaRPr lang="en-US"/>
           </a:p>
@@ -2349,7 +2379,7 @@
           <a:p>
             <a:fld id="{E59C1D85-3BA3-460B-8D23-230F801543DD}" type="datetimeFigureOut">
               <a:rPr lang="en-US" smtClean="0"/>
-              <a:t>5/23/2018</a:t>
+              <a:t>5/24/2018</a:t>
             </a:fld>
             <a:endParaRPr lang="en-US"/>
           </a:p>
@@ -2562,7 +2592,7 @@
           <a:p>
             <a:fld id="{E59C1D85-3BA3-460B-8D23-230F801543DD}" type="datetimeFigureOut">
               <a:rPr lang="en-US" smtClean="0"/>
-              <a:t>5/23/2018</a:t>
+              <a:t>5/24/2018</a:t>
             </a:fld>
             <a:endParaRPr lang="en-US"/>
           </a:p>
@@ -3022,7 +3052,7 @@
         <p:spPr>
           <a:xfrm>
             <a:off x="487680" y="375920"/>
-            <a:ext cx="2492990" cy="461665"/>
+            <a:ext cx="2356735" cy="461665"/>
           </a:xfrm>
           <a:prstGeom prst="rect">
             <a:avLst/>
@@ -3037,21 +3067,21 @@
           <a:p>
             <a:r>
               <a:rPr lang="en-US" altLang="zh-TW" sz="2400" dirty="0" smtClean="0">
-                <a:latin typeface="標楷體" panose="03000509000000000000" pitchFamily="65" charset="-120"/>
-                <a:ea typeface="標楷體" panose="03000509000000000000" pitchFamily="65" charset="-120"/>
+                <a:latin typeface="微軟正黑體" panose="020B0604030504040204" pitchFamily="34" charset="-120"/>
+                <a:ea typeface="微軟正黑體" panose="020B0604030504040204" pitchFamily="34" charset="-120"/>
               </a:rPr>
               <a:t>4 .</a:t>
             </a:r>
             <a:r>
               <a:rPr lang="zh-TW" altLang="en-US" sz="2400" dirty="0" smtClean="0">
-                <a:latin typeface="標楷體" panose="03000509000000000000" pitchFamily="65" charset="-120"/>
-                <a:ea typeface="標楷體" panose="03000509000000000000" pitchFamily="65" charset="-120"/>
+                <a:latin typeface="微軟正黑體" panose="020B0604030504040204" pitchFamily="34" charset="-120"/>
+                <a:ea typeface="微軟正黑體" panose="020B0604030504040204" pitchFamily="34" charset="-120"/>
               </a:rPr>
               <a:t>一致性和標準</a:t>
             </a:r>
             <a:endParaRPr lang="en-US" sz="2400" dirty="0">
-              <a:latin typeface="標楷體" panose="03000509000000000000" pitchFamily="65" charset="-120"/>
-              <a:ea typeface="標楷體" panose="03000509000000000000" pitchFamily="65" charset="-120"/>
+              <a:latin typeface="微軟正黑體" panose="020B0604030504040204" pitchFamily="34" charset="-120"/>
+              <a:ea typeface="微軟正黑體" panose="020B0604030504040204" pitchFamily="34" charset="-120"/>
             </a:endParaRPr>
           </a:p>
         </p:txBody>
@@ -3080,14 +3110,14 @@
           <a:p>
             <a:r>
               <a:rPr lang="zh-TW" altLang="en-US" dirty="0" smtClean="0">
-                <a:latin typeface="標楷體" panose="03000509000000000000" pitchFamily="65" charset="-120"/>
-                <a:ea typeface="標楷體" panose="03000509000000000000" pitchFamily="65" charset="-120"/>
+                <a:latin typeface="微軟正黑體" panose="020B0604030504040204" pitchFamily="34" charset="-120"/>
+                <a:ea typeface="微軟正黑體" panose="020B0604030504040204" pitchFamily="34" charset="-120"/>
               </a:rPr>
               <a:t>不同頁面的相同功能圖檔不一致。</a:t>
             </a:r>
             <a:endParaRPr lang="en-US" dirty="0">
-              <a:latin typeface="標楷體" panose="03000509000000000000" pitchFamily="65" charset="-120"/>
-              <a:ea typeface="標楷體" panose="03000509000000000000" pitchFamily="65" charset="-120"/>
+              <a:latin typeface="微軟正黑體" panose="020B0604030504040204" pitchFamily="34" charset="-120"/>
+              <a:ea typeface="微軟正黑體" panose="020B0604030504040204" pitchFamily="34" charset="-120"/>
             </a:endParaRPr>
           </a:p>
         </p:txBody>
@@ -3177,7 +3207,7 @@
         <p:spPr>
           <a:xfrm>
             <a:off x="487680" y="1603494"/>
-            <a:ext cx="761747" cy="369332"/>
+            <a:ext cx="699230" cy="369332"/>
           </a:xfrm>
           <a:prstGeom prst="rect">
             <a:avLst/>
@@ -3192,21 +3222,21 @@
           <a:p>
             <a:r>
               <a:rPr lang="zh-TW" altLang="en-US" dirty="0" smtClean="0">
-                <a:latin typeface="標楷體" panose="03000509000000000000" pitchFamily="65" charset="-120"/>
-                <a:ea typeface="標楷體" panose="03000509000000000000" pitchFamily="65" charset="-120"/>
+                <a:latin typeface="微軟正黑體" panose="020B0604030504040204" pitchFamily="34" charset="-120"/>
+                <a:ea typeface="微軟正黑體" panose="020B0604030504040204" pitchFamily="34" charset="-120"/>
               </a:rPr>
               <a:t>問題</a:t>
             </a:r>
             <a:r>
               <a:rPr lang="en-US" altLang="zh-TW" dirty="0" smtClean="0">
-                <a:latin typeface="標楷體" panose="03000509000000000000" pitchFamily="65" charset="-120"/>
-                <a:ea typeface="標楷體" panose="03000509000000000000" pitchFamily="65" charset="-120"/>
+                <a:latin typeface="微軟正黑體" panose="020B0604030504040204" pitchFamily="34" charset="-120"/>
+                <a:ea typeface="微軟正黑體" panose="020B0604030504040204" pitchFamily="34" charset="-120"/>
               </a:rPr>
               <a:t>:</a:t>
             </a:r>
             <a:endParaRPr lang="en-US" dirty="0">
-              <a:latin typeface="標楷體" panose="03000509000000000000" pitchFamily="65" charset="-120"/>
-              <a:ea typeface="標楷體" panose="03000509000000000000" pitchFamily="65" charset="-120"/>
+              <a:latin typeface="微軟正黑體" panose="020B0604030504040204" pitchFamily="34" charset="-120"/>
+              <a:ea typeface="微軟正黑體" panose="020B0604030504040204" pitchFamily="34" charset="-120"/>
             </a:endParaRPr>
           </a:p>
         </p:txBody>
@@ -3235,14 +3265,14 @@
           <a:p>
             <a:r>
               <a:rPr lang="zh-TW" altLang="en-US" dirty="0" smtClean="0">
-                <a:latin typeface="標楷體" panose="03000509000000000000" pitchFamily="65" charset="-120"/>
-                <a:ea typeface="標楷體" panose="03000509000000000000" pitchFamily="65" charset="-120"/>
+                <a:latin typeface="微軟正黑體" panose="020B0604030504040204" pitchFamily="34" charset="-120"/>
+                <a:ea typeface="微軟正黑體" panose="020B0604030504040204" pitchFamily="34" charset="-120"/>
               </a:rPr>
               <a:t>針對每張圖片或訊息再進行二次確認，確保一致性與易讀性。</a:t>
             </a:r>
             <a:endParaRPr lang="en-US" dirty="0">
-              <a:latin typeface="標楷體" panose="03000509000000000000" pitchFamily="65" charset="-120"/>
-              <a:ea typeface="標楷體" panose="03000509000000000000" pitchFamily="65" charset="-120"/>
+              <a:latin typeface="微軟正黑體" panose="020B0604030504040204" pitchFamily="34" charset="-120"/>
+              <a:ea typeface="微軟正黑體" panose="020B0604030504040204" pitchFamily="34" charset="-120"/>
             </a:endParaRPr>
           </a:p>
         </p:txBody>
@@ -3256,7 +3286,7 @@
         <p:spPr>
           <a:xfrm>
             <a:off x="6630655" y="1603494"/>
-            <a:ext cx="1223412" cy="369332"/>
+            <a:ext cx="1160895" cy="369332"/>
           </a:xfrm>
           <a:prstGeom prst="rect">
             <a:avLst/>
@@ -3271,21 +3301,21 @@
           <a:p>
             <a:r>
               <a:rPr lang="zh-TW" altLang="en-US" dirty="0" smtClean="0">
-                <a:latin typeface="標楷體" panose="03000509000000000000" pitchFamily="65" charset="-120"/>
-                <a:ea typeface="標楷體" panose="03000509000000000000" pitchFamily="65" charset="-120"/>
+                <a:latin typeface="微軟正黑體" panose="020B0604030504040204" pitchFamily="34" charset="-120"/>
+                <a:ea typeface="微軟正黑體" panose="020B0604030504040204" pitchFamily="34" charset="-120"/>
               </a:rPr>
               <a:t>改善方法</a:t>
             </a:r>
             <a:r>
               <a:rPr lang="en-US" altLang="zh-TW" dirty="0" smtClean="0">
-                <a:latin typeface="標楷體" panose="03000509000000000000" pitchFamily="65" charset="-120"/>
-                <a:ea typeface="標楷體" panose="03000509000000000000" pitchFamily="65" charset="-120"/>
+                <a:latin typeface="微軟正黑體" panose="020B0604030504040204" pitchFamily="34" charset="-120"/>
+                <a:ea typeface="微軟正黑體" panose="020B0604030504040204" pitchFamily="34" charset="-120"/>
               </a:rPr>
               <a:t>:</a:t>
             </a:r>
             <a:endParaRPr lang="en-US" dirty="0">
-              <a:latin typeface="標楷體" panose="03000509000000000000" pitchFamily="65" charset="-120"/>
-              <a:ea typeface="標楷體" panose="03000509000000000000" pitchFamily="65" charset="-120"/>
+              <a:latin typeface="微軟正黑體" panose="020B0604030504040204" pitchFamily="34" charset="-120"/>
+              <a:ea typeface="微軟正黑體" panose="020B0604030504040204" pitchFamily="34" charset="-120"/>
             </a:endParaRPr>
           </a:p>
         </p:txBody>
@@ -3367,21 +3397,21 @@
           <a:p>
             <a:r>
               <a:rPr lang="en-US" altLang="zh-TW" sz="2400" dirty="0" smtClean="0">
-                <a:latin typeface="標楷體" panose="03000509000000000000" pitchFamily="65" charset="-120"/>
-                <a:ea typeface="標楷體" panose="03000509000000000000" pitchFamily="65" charset="-120"/>
+                <a:latin typeface="微軟正黑體" panose="020B0604030504040204" pitchFamily="34" charset="-120"/>
+                <a:ea typeface="微軟正黑體" panose="020B0604030504040204" pitchFamily="34" charset="-120"/>
               </a:rPr>
               <a:t>8.</a:t>
             </a:r>
             <a:r>
               <a:rPr lang="zh-TW" altLang="en-US" sz="2400" dirty="0" smtClean="0">
-                <a:latin typeface="標楷體" panose="03000509000000000000" pitchFamily="65" charset="-120"/>
-                <a:ea typeface="標楷體" panose="03000509000000000000" pitchFamily="65" charset="-120"/>
+                <a:latin typeface="微軟正黑體" panose="020B0604030504040204" pitchFamily="34" charset="-120"/>
+                <a:ea typeface="微軟正黑體" panose="020B0604030504040204" pitchFamily="34" charset="-120"/>
               </a:rPr>
               <a:t>美觀與簡化設計</a:t>
             </a:r>
             <a:endParaRPr lang="en-US" sz="2400" dirty="0">
-              <a:latin typeface="標楷體" panose="03000509000000000000" pitchFamily="65" charset="-120"/>
-              <a:ea typeface="標楷體" panose="03000509000000000000" pitchFamily="65" charset="-120"/>
+              <a:latin typeface="微軟正黑體" panose="020B0604030504040204" pitchFamily="34" charset="-120"/>
+              <a:ea typeface="微軟正黑體" panose="020B0604030504040204" pitchFamily="34" charset="-120"/>
             </a:endParaRPr>
           </a:p>
         </p:txBody>
@@ -3410,14 +3440,14 @@
           <a:p>
             <a:r>
               <a:rPr lang="zh-TW" altLang="en-US" dirty="0" smtClean="0">
-                <a:latin typeface="標楷體" panose="03000509000000000000" pitchFamily="65" charset="-120"/>
-                <a:ea typeface="標楷體" panose="03000509000000000000" pitchFamily="65" charset="-120"/>
+                <a:latin typeface="微軟正黑體" panose="020B0604030504040204" pitchFamily="34" charset="-120"/>
+                <a:ea typeface="微軟正黑體" panose="020B0604030504040204" pitchFamily="34" charset="-120"/>
               </a:rPr>
               <a:t>回首業及連結到北科首頁的連結沒有標示。</a:t>
             </a:r>
             <a:endParaRPr lang="en-US" dirty="0">
-              <a:latin typeface="標楷體" panose="03000509000000000000" pitchFamily="65" charset="-120"/>
-              <a:ea typeface="標楷體" panose="03000509000000000000" pitchFamily="65" charset="-120"/>
+              <a:latin typeface="微軟正黑體" panose="020B0604030504040204" pitchFamily="34" charset="-120"/>
+              <a:ea typeface="微軟正黑體" panose="020B0604030504040204" pitchFamily="34" charset="-120"/>
             </a:endParaRPr>
           </a:p>
         </p:txBody>
@@ -3431,7 +3461,7 @@
         <p:spPr>
           <a:xfrm>
             <a:off x="487680" y="1603494"/>
-            <a:ext cx="761747" cy="369332"/>
+            <a:ext cx="699230" cy="369332"/>
           </a:xfrm>
           <a:prstGeom prst="rect">
             <a:avLst/>
@@ -3446,21 +3476,21 @@
           <a:p>
             <a:r>
               <a:rPr lang="zh-TW" altLang="en-US" dirty="0" smtClean="0">
-                <a:latin typeface="標楷體" panose="03000509000000000000" pitchFamily="65" charset="-120"/>
-                <a:ea typeface="標楷體" panose="03000509000000000000" pitchFamily="65" charset="-120"/>
+                <a:latin typeface="微軟正黑體" panose="020B0604030504040204" pitchFamily="34" charset="-120"/>
+                <a:ea typeface="微軟正黑體" panose="020B0604030504040204" pitchFamily="34" charset="-120"/>
               </a:rPr>
               <a:t>問題</a:t>
             </a:r>
             <a:r>
               <a:rPr lang="en-US" altLang="zh-TW" dirty="0" smtClean="0">
-                <a:latin typeface="標楷體" panose="03000509000000000000" pitchFamily="65" charset="-120"/>
-                <a:ea typeface="標楷體" panose="03000509000000000000" pitchFamily="65" charset="-120"/>
+                <a:latin typeface="微軟正黑體" panose="020B0604030504040204" pitchFamily="34" charset="-120"/>
+                <a:ea typeface="微軟正黑體" panose="020B0604030504040204" pitchFamily="34" charset="-120"/>
               </a:rPr>
               <a:t>:</a:t>
             </a:r>
             <a:endParaRPr lang="en-US" dirty="0">
-              <a:latin typeface="標楷體" panose="03000509000000000000" pitchFamily="65" charset="-120"/>
-              <a:ea typeface="標楷體" panose="03000509000000000000" pitchFamily="65" charset="-120"/>
+              <a:latin typeface="微軟正黑體" panose="020B0604030504040204" pitchFamily="34" charset="-120"/>
+              <a:ea typeface="微軟正黑體" panose="020B0604030504040204" pitchFamily="34" charset="-120"/>
             </a:endParaRPr>
           </a:p>
         </p:txBody>
@@ -3489,14 +3519,14 @@
           <a:p>
             <a:r>
               <a:rPr lang="zh-TW" altLang="en-US" dirty="0" smtClean="0">
-                <a:latin typeface="標楷體" panose="03000509000000000000" pitchFamily="65" charset="-120"/>
-                <a:ea typeface="標楷體" panose="03000509000000000000" pitchFamily="65" charset="-120"/>
+                <a:latin typeface="微軟正黑體" panose="020B0604030504040204" pitchFamily="34" charset="-120"/>
+                <a:ea typeface="微軟正黑體" panose="020B0604030504040204" pitchFamily="34" charset="-120"/>
               </a:rPr>
               <a:t>增加說明的文字。</a:t>
             </a:r>
             <a:endParaRPr lang="en-US" dirty="0">
-              <a:latin typeface="標楷體" panose="03000509000000000000" pitchFamily="65" charset="-120"/>
-              <a:ea typeface="標楷體" panose="03000509000000000000" pitchFamily="65" charset="-120"/>
+              <a:latin typeface="微軟正黑體" panose="020B0604030504040204" pitchFamily="34" charset="-120"/>
+              <a:ea typeface="微軟正黑體" panose="020B0604030504040204" pitchFamily="34" charset="-120"/>
             </a:endParaRPr>
           </a:p>
         </p:txBody>
@@ -3510,7 +3540,7 @@
         <p:spPr>
           <a:xfrm>
             <a:off x="6630655" y="1603494"/>
-            <a:ext cx="1223412" cy="369332"/>
+            <a:ext cx="1160895" cy="369332"/>
           </a:xfrm>
           <a:prstGeom prst="rect">
             <a:avLst/>
@@ -3525,21 +3555,21 @@
           <a:p>
             <a:r>
               <a:rPr lang="zh-TW" altLang="en-US" dirty="0" smtClean="0">
-                <a:latin typeface="標楷體" panose="03000509000000000000" pitchFamily="65" charset="-120"/>
-                <a:ea typeface="標楷體" panose="03000509000000000000" pitchFamily="65" charset="-120"/>
+                <a:latin typeface="微軟正黑體" panose="020B0604030504040204" pitchFamily="34" charset="-120"/>
+                <a:ea typeface="微軟正黑體" panose="020B0604030504040204" pitchFamily="34" charset="-120"/>
               </a:rPr>
               <a:t>改善方法</a:t>
             </a:r>
             <a:r>
               <a:rPr lang="en-US" altLang="zh-TW" dirty="0" smtClean="0">
-                <a:latin typeface="標楷體" panose="03000509000000000000" pitchFamily="65" charset="-120"/>
-                <a:ea typeface="標楷體" panose="03000509000000000000" pitchFamily="65" charset="-120"/>
+                <a:latin typeface="微軟正黑體" panose="020B0604030504040204" pitchFamily="34" charset="-120"/>
+                <a:ea typeface="微軟正黑體" panose="020B0604030504040204" pitchFamily="34" charset="-120"/>
               </a:rPr>
               <a:t>:</a:t>
             </a:r>
             <a:endParaRPr lang="en-US" dirty="0">
-              <a:latin typeface="標楷體" panose="03000509000000000000" pitchFamily="65" charset="-120"/>
-              <a:ea typeface="標楷體" panose="03000509000000000000" pitchFamily="65" charset="-120"/>
+              <a:latin typeface="微軟正黑體" panose="020B0604030504040204" pitchFamily="34" charset="-120"/>
+              <a:ea typeface="微軟正黑體" panose="020B0604030504040204" pitchFamily="34" charset="-120"/>
             </a:endParaRPr>
           </a:p>
         </p:txBody>
@@ -3662,14 +3692,23 @@
           <a:lstStyle/>
           <a:p>
             <a:r>
-              <a:rPr lang="en-US" altLang="zh-TW" dirty="0" smtClean="0"/>
+              <a:rPr lang="en-US" altLang="zh-TW" dirty="0" smtClean="0">
+                <a:latin typeface="微軟正黑體" panose="020B0604030504040204" pitchFamily="34" charset="-120"/>
+                <a:ea typeface="微軟正黑體" panose="020B0604030504040204" pitchFamily="34" charset="-120"/>
+              </a:rPr>
               <a:t>7.</a:t>
             </a:r>
             <a:r>
-              <a:rPr lang="zh-TW" altLang="en-US" dirty="0" smtClean="0"/>
+              <a:rPr lang="zh-TW" altLang="en-US" dirty="0" smtClean="0">
+                <a:latin typeface="微軟正黑體" panose="020B0604030504040204" pitchFamily="34" charset="-120"/>
+                <a:ea typeface="微軟正黑體" panose="020B0604030504040204" pitchFamily="34" charset="-120"/>
+              </a:rPr>
               <a:t>彈性與使用效率</a:t>
             </a:r>
-            <a:endParaRPr lang="zh-TW" altLang="en-US" dirty="0"/>
+            <a:endParaRPr lang="zh-TW" altLang="en-US" dirty="0">
+              <a:latin typeface="微軟正黑體" panose="020B0604030504040204" pitchFamily="34" charset="-120"/>
+              <a:ea typeface="微軟正黑體" panose="020B0604030504040204" pitchFamily="34" charset="-120"/>
+            </a:endParaRPr>
           </a:p>
         </p:txBody>
       </p:sp>
@@ -3760,10 +3799,16 @@
           <a:lstStyle/>
           <a:p>
             <a:r>
-              <a:rPr lang="zh-TW" altLang="en-US" dirty="0" smtClean="0"/>
+              <a:rPr lang="zh-TW" altLang="en-US" dirty="0" smtClean="0">
+                <a:latin typeface="微軟正黑體" panose="020B0604030504040204" pitchFamily="34" charset="-120"/>
+                <a:ea typeface="微軟正黑體" panose="020B0604030504040204" pitchFamily="34" charset="-120"/>
+              </a:rPr>
               <a:t>問題：頁面太長</a:t>
             </a:r>
-            <a:endParaRPr lang="zh-TW" altLang="en-US" dirty="0"/>
+            <a:endParaRPr lang="zh-TW" altLang="en-US" dirty="0">
+              <a:latin typeface="微軟正黑體" panose="020B0604030504040204" pitchFamily="34" charset="-120"/>
+              <a:ea typeface="微軟正黑體" panose="020B0604030504040204" pitchFamily="34" charset="-120"/>
+            </a:endParaRPr>
           </a:p>
         </p:txBody>
       </p:sp>
@@ -3823,14 +3868,23 @@
           <a:lstStyle/>
           <a:p>
             <a:r>
-              <a:rPr lang="zh-TW" altLang="en-US" dirty="0"/>
+              <a:rPr lang="zh-TW" altLang="en-US" dirty="0">
+                <a:latin typeface="微軟正黑體" panose="020B0604030504040204" pitchFamily="34" charset="-120"/>
+                <a:ea typeface="微軟正黑體" panose="020B0604030504040204" pitchFamily="34" charset="-120"/>
+              </a:rPr>
               <a:t>解決辦法</a:t>
             </a:r>
             <a:r>
-              <a:rPr lang="zh-TW" altLang="en-US" dirty="0" smtClean="0"/>
+              <a:rPr lang="zh-TW" altLang="en-US" dirty="0" smtClean="0">
+                <a:latin typeface="微軟正黑體" panose="020B0604030504040204" pitchFamily="34" charset="-120"/>
+                <a:ea typeface="微軟正黑體" panose="020B0604030504040204" pitchFamily="34" charset="-120"/>
+              </a:rPr>
               <a:t>：加個按鈕 回到頂層</a:t>
             </a:r>
-            <a:endParaRPr lang="zh-TW" altLang="en-US" dirty="0"/>
+            <a:endParaRPr lang="zh-TW" altLang="en-US" dirty="0">
+              <a:latin typeface="微軟正黑體" panose="020B0604030504040204" pitchFamily="34" charset="-120"/>
+              <a:ea typeface="微軟正黑體" panose="020B0604030504040204" pitchFamily="34" charset="-120"/>
+            </a:endParaRPr>
           </a:p>
         </p:txBody>
       </p:sp>
@@ -3880,15 +3934,24 @@
           <a:lstStyle/>
           <a:p>
             <a:r>
-              <a:rPr lang="en-US" altLang="zh-TW" dirty="0"/>
+              <a:rPr lang="en-US" altLang="zh-TW" dirty="0">
+                <a:latin typeface="微軟正黑體" panose="020B0604030504040204" pitchFamily="34" charset="-120"/>
+                <a:ea typeface="微軟正黑體" panose="020B0604030504040204" pitchFamily="34" charset="-120"/>
+              </a:rPr>
               <a:t>6</a:t>
             </a:r>
             <a:r>
-              <a:rPr lang="en-US" altLang="zh-TW" dirty="0" smtClean="0"/>
+              <a:rPr lang="en-US" altLang="zh-TW" dirty="0" smtClean="0">
+                <a:latin typeface="微軟正黑體" panose="020B0604030504040204" pitchFamily="34" charset="-120"/>
+                <a:ea typeface="微軟正黑體" panose="020B0604030504040204" pitchFamily="34" charset="-120"/>
+              </a:rPr>
               <a:t>.</a:t>
             </a:r>
             <a:r>
-              <a:rPr lang="zh-TW" altLang="en-US" dirty="0"/>
+              <a:rPr lang="zh-TW" altLang="en-US" dirty="0">
+                <a:latin typeface="微軟正黑體" panose="020B0604030504040204" pitchFamily="34" charset="-120"/>
+                <a:ea typeface="微軟正黑體" panose="020B0604030504040204" pitchFamily="34" charset="-120"/>
+              </a:rPr>
               <a:t>辨識而非記憶</a:t>
             </a:r>
           </a:p>
@@ -3981,14 +4044,23 @@
           <a:lstStyle/>
           <a:p>
             <a:r>
-              <a:rPr lang="zh-TW" altLang="en-US" dirty="0"/>
+              <a:rPr lang="zh-TW" altLang="en-US" dirty="0">
+                <a:latin typeface="微軟正黑體" panose="020B0604030504040204" pitchFamily="34" charset="-120"/>
+                <a:ea typeface="微軟正黑體" panose="020B0604030504040204" pitchFamily="34" charset="-120"/>
+              </a:rPr>
               <a:t>問題</a:t>
             </a:r>
             <a:r>
-              <a:rPr lang="zh-TW" altLang="en-US" dirty="0" smtClean="0"/>
+              <a:rPr lang="zh-TW" altLang="en-US" dirty="0" smtClean="0">
+                <a:latin typeface="微軟正黑體" panose="020B0604030504040204" pitchFamily="34" charset="-120"/>
+                <a:ea typeface="微軟正黑體" panose="020B0604030504040204" pitchFamily="34" charset="-120"/>
+              </a:rPr>
               <a:t>：無法得知目前頁面位置</a:t>
             </a:r>
-            <a:endParaRPr lang="zh-TW" altLang="en-US" dirty="0"/>
+            <a:endParaRPr lang="zh-TW" altLang="en-US" dirty="0">
+              <a:latin typeface="微軟正黑體" panose="020B0604030504040204" pitchFamily="34" charset="-120"/>
+              <a:ea typeface="微軟正黑體" panose="020B0604030504040204" pitchFamily="34" charset="-120"/>
+            </a:endParaRPr>
           </a:p>
         </p:txBody>
       </p:sp>
@@ -4048,18 +4120,30 @@
           <a:lstStyle/>
           <a:p>
             <a:r>
-              <a:rPr lang="zh-TW" altLang="en-US" dirty="0"/>
+              <a:rPr lang="zh-TW" altLang="en-US" dirty="0">
+                <a:latin typeface="微軟正黑體" panose="020B0604030504040204" pitchFamily="34" charset="-120"/>
+                <a:ea typeface="微軟正黑體" panose="020B0604030504040204" pitchFamily="34" charset="-120"/>
+              </a:rPr>
               <a:t>解決</a:t>
             </a:r>
             <a:r>
-              <a:rPr lang="zh-TW" altLang="en-US"/>
+              <a:rPr lang="zh-TW" altLang="en-US">
+                <a:latin typeface="微軟正黑體" panose="020B0604030504040204" pitchFamily="34" charset="-120"/>
+                <a:ea typeface="微軟正黑體" panose="020B0604030504040204" pitchFamily="34" charset="-120"/>
+              </a:rPr>
               <a:t>辦法</a:t>
             </a:r>
             <a:r>
-              <a:rPr lang="zh-TW" altLang="en-US" smtClean="0"/>
+              <a:rPr lang="zh-TW" altLang="en-US" smtClean="0">
+                <a:latin typeface="微軟正黑體" panose="020B0604030504040204" pitchFamily="34" charset="-120"/>
+                <a:ea typeface="微軟正黑體" panose="020B0604030504040204" pitchFamily="34" charset="-120"/>
+              </a:rPr>
               <a:t>：加個麵包屑 讓使用者知道目前頁面是在哪邊</a:t>
             </a:r>
-            <a:endParaRPr lang="zh-TW" altLang="en-US" dirty="0"/>
+            <a:endParaRPr lang="zh-TW" altLang="en-US" dirty="0">
+              <a:latin typeface="微軟正黑體" panose="020B0604030504040204" pitchFamily="34" charset="-120"/>
+              <a:ea typeface="微軟正黑體" panose="020B0604030504040204" pitchFamily="34" charset="-120"/>
+            </a:endParaRPr>
           </a:p>
         </p:txBody>
       </p:sp>
@@ -4067,6 +4151,514 @@
     <p:extLst>
       <p:ext uri="{BB962C8B-B14F-4D97-AF65-F5344CB8AC3E}">
         <p14:creationId xmlns:p14="http://schemas.microsoft.com/office/powerpoint/2010/main" val="2120126825"/>
+      </p:ext>
+    </p:extLst>
+  </p:cSld>
+  <p:clrMapOvr>
+    <a:masterClrMapping/>
+  </p:clrMapOvr>
+</p:sld>
+</file>
+
+<file path=ppt/slides/slide5.xml><?xml version="1.0" encoding="utf-8"?>
+<p:sld xmlns:a="http://schemas.openxmlformats.org/drawingml/2006/main" xmlns:r="http://schemas.openxmlformats.org/officeDocument/2006/relationships" xmlns:p="http://schemas.openxmlformats.org/presentationml/2006/main">
+  <p:cSld>
+    <p:spTree>
+      <p:nvGrpSpPr>
+        <p:cNvPr id="1" name=""/>
+        <p:cNvGrpSpPr/>
+        <p:nvPr/>
+      </p:nvGrpSpPr>
+      <p:grpSpPr>
+        <a:xfrm>
+          <a:off x="0" y="0"/>
+          <a:ext cx="0" cy="0"/>
+          <a:chOff x="0" y="0"/>
+          <a:chExt cx="0" cy="0"/>
+        </a:xfrm>
+      </p:grpSpPr>
+      <p:sp>
+        <p:nvSpPr>
+          <p:cNvPr id="2" name="標題 1"/>
+          <p:cNvSpPr>
+            <a:spLocks noGrp="1"/>
+          </p:cNvSpPr>
+          <p:nvPr>
+            <p:ph type="title"/>
+          </p:nvPr>
+        </p:nvSpPr>
+        <p:spPr/>
+        <p:txBody>
+          <a:bodyPr/>
+          <a:lstStyle/>
+          <a:p>
+            <a:r>
+              <a:rPr lang="en-US" altLang="zh-TW" dirty="0" smtClean="0">
+                <a:latin typeface="微軟正黑體" panose="020B0604030504040204" pitchFamily="34" charset="-120"/>
+                <a:ea typeface="微軟正黑體" panose="020B0604030504040204" pitchFamily="34" charset="-120"/>
+              </a:rPr>
+              <a:t>5.</a:t>
+            </a:r>
+            <a:r>
+              <a:rPr lang="zh-TW" altLang="en-US" dirty="0" smtClean="0">
+                <a:latin typeface="微軟正黑體" panose="020B0604030504040204" pitchFamily="34" charset="-120"/>
+                <a:ea typeface="微軟正黑體" panose="020B0604030504040204" pitchFamily="34" charset="-120"/>
+              </a:rPr>
+              <a:t>預防錯誤</a:t>
+            </a:r>
+            <a:endParaRPr lang="zh-TW" altLang="en-US" dirty="0">
+              <a:latin typeface="微軟正黑體" panose="020B0604030504040204" pitchFamily="34" charset="-120"/>
+              <a:ea typeface="微軟正黑體" panose="020B0604030504040204" pitchFamily="34" charset="-120"/>
+            </a:endParaRPr>
+          </a:p>
+        </p:txBody>
+      </p:sp>
+      <p:pic>
+        <p:nvPicPr>
+          <p:cNvPr id="4" name="內容版面配置區 3"/>
+          <p:cNvPicPr>
+            <a:picLocks noGrp="1" noChangeAspect="1"/>
+          </p:cNvPicPr>
+          <p:nvPr>
+            <p:ph idx="1"/>
+          </p:nvPr>
+        </p:nvPicPr>
+        <p:blipFill>
+          <a:blip r:embed="rId2">
+            <a:extLst>
+              <a:ext uri="{28A0092B-C50C-407E-A947-70E740481C1C}">
+                <a14:useLocalDpi xmlns:a14="http://schemas.microsoft.com/office/drawing/2010/main" val="0"/>
+              </a:ext>
+            </a:extLst>
+          </a:blip>
+          <a:stretch>
+            <a:fillRect/>
+          </a:stretch>
+        </p:blipFill>
+        <p:spPr>
+          <a:xfrm>
+            <a:off x="838200" y="3284173"/>
+            <a:ext cx="10515600" cy="3503186"/>
+          </a:xfrm>
+        </p:spPr>
+      </p:pic>
+      <p:cxnSp>
+        <p:nvCxnSpPr>
+          <p:cNvPr id="11" name="直線單箭頭接點 10"/>
+          <p:cNvCxnSpPr/>
+          <p:nvPr/>
+        </p:nvCxnSpPr>
+        <p:spPr>
+          <a:xfrm>
+            <a:off x="3075709" y="2817091"/>
+            <a:ext cx="9236" cy="1311564"/>
+          </a:xfrm>
+          <a:prstGeom prst="straightConnector1">
+            <a:avLst/>
+          </a:prstGeom>
+          <a:ln>
+            <a:tailEnd type="triangle"/>
+          </a:ln>
+        </p:spPr>
+        <p:style>
+          <a:lnRef idx="3">
+            <a:schemeClr val="accent1"/>
+          </a:lnRef>
+          <a:fillRef idx="0">
+            <a:schemeClr val="accent1"/>
+          </a:fillRef>
+          <a:effectRef idx="2">
+            <a:schemeClr val="accent1"/>
+          </a:effectRef>
+          <a:fontRef idx="minor">
+            <a:schemeClr val="tx1"/>
+          </a:fontRef>
+        </p:style>
+      </p:cxnSp>
+      <p:sp>
+        <p:nvSpPr>
+          <p:cNvPr id="12" name="文字方塊 11"/>
+          <p:cNvSpPr txBox="1"/>
+          <p:nvPr/>
+        </p:nvSpPr>
+        <p:spPr>
+          <a:xfrm>
+            <a:off x="1413164" y="1893455"/>
+            <a:ext cx="3611418" cy="646331"/>
+          </a:xfrm>
+          <a:prstGeom prst="rect">
+            <a:avLst/>
+          </a:prstGeom>
+          <a:noFill/>
+        </p:spPr>
+        <p:txBody>
+          <a:bodyPr wrap="square" rtlCol="0">
+            <a:spAutoFit/>
+          </a:bodyPr>
+          <a:lstStyle/>
+          <a:p>
+            <a:r>
+              <a:rPr lang="zh-TW" altLang="en-US" dirty="0" smtClean="0">
+                <a:latin typeface="微軟正黑體" panose="020B0604030504040204" pitchFamily="34" charset="-120"/>
+                <a:ea typeface="微軟正黑體" panose="020B0604030504040204" pitchFamily="34" charset="-120"/>
+              </a:rPr>
+              <a:t>問題</a:t>
+            </a:r>
+            <a:r>
+              <a:rPr lang="en-US" altLang="zh-TW" dirty="0" smtClean="0">
+                <a:latin typeface="微軟正黑體" panose="020B0604030504040204" pitchFamily="34" charset="-120"/>
+                <a:ea typeface="微軟正黑體" panose="020B0604030504040204" pitchFamily="34" charset="-120"/>
+              </a:rPr>
+              <a:t>:</a:t>
+            </a:r>
+            <a:r>
+              <a:rPr lang="zh-TW" altLang="en-US" dirty="0" smtClean="0">
+                <a:latin typeface="微軟正黑體" panose="020B0604030504040204" pitchFamily="34" charset="-120"/>
+                <a:ea typeface="微軟正黑體" panose="020B0604030504040204" pitchFamily="34" charset="-120"/>
+              </a:rPr>
+              <a:t>按鈕沒有指向頁面或功能</a:t>
+            </a:r>
+            <a:endParaRPr lang="en-US" altLang="zh-TW" dirty="0" smtClean="0">
+              <a:latin typeface="微軟正黑體" panose="020B0604030504040204" pitchFamily="34" charset="-120"/>
+              <a:ea typeface="微軟正黑體" panose="020B0604030504040204" pitchFamily="34" charset="-120"/>
+            </a:endParaRPr>
+          </a:p>
+          <a:p>
+            <a:endParaRPr lang="zh-TW" altLang="en-US" dirty="0">
+              <a:latin typeface="微軟正黑體" panose="020B0604030504040204" pitchFamily="34" charset="-120"/>
+              <a:ea typeface="微軟正黑體" panose="020B0604030504040204" pitchFamily="34" charset="-120"/>
+            </a:endParaRPr>
+          </a:p>
+        </p:txBody>
+      </p:sp>
+      <p:sp>
+        <p:nvSpPr>
+          <p:cNvPr id="13" name="文字方塊 12"/>
+          <p:cNvSpPr txBox="1"/>
+          <p:nvPr/>
+        </p:nvSpPr>
+        <p:spPr>
+          <a:xfrm>
+            <a:off x="5818909" y="1893455"/>
+            <a:ext cx="4812146" cy="369332"/>
+          </a:xfrm>
+          <a:prstGeom prst="rect">
+            <a:avLst/>
+          </a:prstGeom>
+          <a:noFill/>
+        </p:spPr>
+        <p:txBody>
+          <a:bodyPr wrap="square" rtlCol="0">
+            <a:spAutoFit/>
+          </a:bodyPr>
+          <a:lstStyle/>
+          <a:p>
+            <a:r>
+              <a:rPr lang="zh-TW" altLang="en-US" dirty="0" smtClean="0">
+                <a:latin typeface="微軟正黑體" panose="020B0604030504040204" pitchFamily="34" charset="-120"/>
+                <a:ea typeface="微軟正黑體" panose="020B0604030504040204" pitchFamily="34" charset="-120"/>
+              </a:rPr>
+              <a:t>解決</a:t>
+            </a:r>
+            <a:r>
+              <a:rPr lang="en-US" altLang="zh-TW" dirty="0" smtClean="0">
+                <a:latin typeface="微軟正黑體" panose="020B0604030504040204" pitchFamily="34" charset="-120"/>
+                <a:ea typeface="微軟正黑體" panose="020B0604030504040204" pitchFamily="34" charset="-120"/>
+              </a:rPr>
+              <a:t>:</a:t>
+            </a:r>
+            <a:r>
+              <a:rPr lang="zh-TW" altLang="en-US" dirty="0" smtClean="0">
+                <a:latin typeface="微軟正黑體" panose="020B0604030504040204" pitchFamily="34" charset="-120"/>
+                <a:ea typeface="微軟正黑體" panose="020B0604030504040204" pitchFamily="34" charset="-120"/>
+              </a:rPr>
+              <a:t>新增說明或將按鈕移除</a:t>
+            </a:r>
+            <a:endParaRPr lang="zh-TW" altLang="en-US" dirty="0">
+              <a:latin typeface="微軟正黑體" panose="020B0604030504040204" pitchFamily="34" charset="-120"/>
+              <a:ea typeface="微軟正黑體" panose="020B0604030504040204" pitchFamily="34" charset="-120"/>
+            </a:endParaRPr>
+          </a:p>
+        </p:txBody>
+      </p:sp>
+    </p:spTree>
+    <p:extLst>
+      <p:ext uri="{BB962C8B-B14F-4D97-AF65-F5344CB8AC3E}">
+        <p14:creationId xmlns:p14="http://schemas.microsoft.com/office/powerpoint/2010/main" val="3985407292"/>
+      </p:ext>
+    </p:extLst>
+  </p:cSld>
+  <p:clrMapOvr>
+    <a:masterClrMapping/>
+  </p:clrMapOvr>
+</p:sld>
+</file>
+
+<file path=ppt/slides/slide6.xml><?xml version="1.0" encoding="utf-8"?>
+<p:sld xmlns:a="http://schemas.openxmlformats.org/drawingml/2006/main" xmlns:r="http://schemas.openxmlformats.org/officeDocument/2006/relationships" xmlns:p="http://schemas.openxmlformats.org/presentationml/2006/main">
+  <p:cSld>
+    <p:spTree>
+      <p:nvGrpSpPr>
+        <p:cNvPr id="1" name=""/>
+        <p:cNvGrpSpPr/>
+        <p:nvPr/>
+      </p:nvGrpSpPr>
+      <p:grpSpPr>
+        <a:xfrm>
+          <a:off x="0" y="0"/>
+          <a:ext cx="0" cy="0"/>
+          <a:chOff x="0" y="0"/>
+          <a:chExt cx="0" cy="0"/>
+        </a:xfrm>
+      </p:grpSpPr>
+      <p:sp>
+        <p:nvSpPr>
+          <p:cNvPr id="2" name="標題 1"/>
+          <p:cNvSpPr>
+            <a:spLocks noGrp="1"/>
+          </p:cNvSpPr>
+          <p:nvPr>
+            <p:ph type="title"/>
+          </p:nvPr>
+        </p:nvSpPr>
+        <p:spPr/>
+        <p:txBody>
+          <a:bodyPr/>
+          <a:lstStyle/>
+          <a:p>
+            <a:r>
+              <a:rPr lang="en-US" altLang="zh-TW" dirty="0" smtClean="0">
+                <a:latin typeface="微軟正黑體" panose="020B0604030504040204" pitchFamily="34" charset="-120"/>
+                <a:ea typeface="微軟正黑體" panose="020B0604030504040204" pitchFamily="34" charset="-120"/>
+              </a:rPr>
+              <a:t>1.</a:t>
+            </a:r>
+            <a:r>
+              <a:rPr lang="zh-TW" altLang="en-US" dirty="0" smtClean="0">
+                <a:latin typeface="微軟正黑體" panose="020B0604030504040204" pitchFamily="34" charset="-120"/>
+                <a:ea typeface="微軟正黑體" panose="020B0604030504040204" pitchFamily="34" charset="-120"/>
+              </a:rPr>
+              <a:t>系統狀態能見度</a:t>
+            </a:r>
+            <a:endParaRPr lang="zh-TW" altLang="en-US" dirty="0">
+              <a:latin typeface="微軟正黑體" panose="020B0604030504040204" pitchFamily="34" charset="-120"/>
+              <a:ea typeface="微軟正黑體" panose="020B0604030504040204" pitchFamily="34" charset="-120"/>
+            </a:endParaRPr>
+          </a:p>
+        </p:txBody>
+      </p:sp>
+      <p:pic>
+        <p:nvPicPr>
+          <p:cNvPr id="4" name="內容版面配置區 3"/>
+          <p:cNvPicPr>
+            <a:picLocks noGrp="1" noChangeAspect="1"/>
+          </p:cNvPicPr>
+          <p:nvPr>
+            <p:ph idx="1"/>
+          </p:nvPr>
+        </p:nvPicPr>
+        <p:blipFill rotWithShape="1">
+          <a:blip r:embed="rId2">
+            <a:extLst>
+              <a:ext uri="{28A0092B-C50C-407E-A947-70E740481C1C}">
+                <a14:useLocalDpi xmlns:a14="http://schemas.microsoft.com/office/drawing/2010/main" val="0"/>
+              </a:ext>
+            </a:extLst>
+          </a:blip>
+          <a:srcRect b="5123"/>
+          <a:stretch/>
+        </p:blipFill>
+        <p:spPr>
+          <a:xfrm>
+            <a:off x="1004455" y="2917647"/>
+            <a:ext cx="8395131" cy="3940353"/>
+          </a:xfrm>
+        </p:spPr>
+      </p:pic>
+      <p:cxnSp>
+        <p:nvCxnSpPr>
+          <p:cNvPr id="8" name="直線單箭頭接點 7"/>
+          <p:cNvCxnSpPr/>
+          <p:nvPr/>
+        </p:nvCxnSpPr>
+        <p:spPr>
+          <a:xfrm>
+            <a:off x="4359564" y="2678545"/>
+            <a:ext cx="0" cy="489528"/>
+          </a:xfrm>
+          <a:prstGeom prst="straightConnector1">
+            <a:avLst/>
+          </a:prstGeom>
+          <a:ln>
+            <a:tailEnd type="triangle"/>
+          </a:ln>
+        </p:spPr>
+        <p:style>
+          <a:lnRef idx="3">
+            <a:schemeClr val="accent1"/>
+          </a:lnRef>
+          <a:fillRef idx="0">
+            <a:schemeClr val="accent1"/>
+          </a:fillRef>
+          <a:effectRef idx="2">
+            <a:schemeClr val="accent1"/>
+          </a:effectRef>
+          <a:fontRef idx="minor">
+            <a:schemeClr val="tx1"/>
+          </a:fontRef>
+        </p:style>
+      </p:cxnSp>
+      <p:cxnSp>
+        <p:nvCxnSpPr>
+          <p:cNvPr id="12" name="直線單箭頭接點 11"/>
+          <p:cNvCxnSpPr/>
+          <p:nvPr/>
+        </p:nvCxnSpPr>
+        <p:spPr>
+          <a:xfrm>
+            <a:off x="4359564" y="2678545"/>
+            <a:ext cx="2373745" cy="1339273"/>
+          </a:xfrm>
+          <a:prstGeom prst="straightConnector1">
+            <a:avLst/>
+          </a:prstGeom>
+          <a:ln>
+            <a:tailEnd type="triangle"/>
+          </a:ln>
+        </p:spPr>
+        <p:style>
+          <a:lnRef idx="3">
+            <a:schemeClr val="accent1"/>
+          </a:lnRef>
+          <a:fillRef idx="0">
+            <a:schemeClr val="accent1"/>
+          </a:fillRef>
+          <a:effectRef idx="2">
+            <a:schemeClr val="accent1"/>
+          </a:effectRef>
+          <a:fontRef idx="minor">
+            <a:schemeClr val="tx1"/>
+          </a:fontRef>
+        </p:style>
+      </p:cxnSp>
+      <p:sp>
+        <p:nvSpPr>
+          <p:cNvPr id="13" name="文字方塊 12"/>
+          <p:cNvSpPr txBox="1"/>
+          <p:nvPr/>
+        </p:nvSpPr>
+        <p:spPr>
+          <a:xfrm>
+            <a:off x="1634835" y="2156261"/>
+            <a:ext cx="4710546" cy="369332"/>
+          </a:xfrm>
+          <a:prstGeom prst="rect">
+            <a:avLst/>
+          </a:prstGeom>
+          <a:noFill/>
+        </p:spPr>
+        <p:txBody>
+          <a:bodyPr wrap="square" rtlCol="0">
+            <a:spAutoFit/>
+          </a:bodyPr>
+          <a:lstStyle/>
+          <a:p>
+            <a:r>
+              <a:rPr lang="zh-TW" altLang="en-US" dirty="0" smtClean="0">
+                <a:latin typeface="微軟正黑體" panose="020B0604030504040204" pitchFamily="34" charset="-120"/>
+                <a:ea typeface="微軟正黑體" panose="020B0604030504040204" pitchFamily="34" charset="-120"/>
+              </a:rPr>
+              <a:t>問題</a:t>
+            </a:r>
+            <a:r>
+              <a:rPr lang="en-US" altLang="zh-TW" dirty="0" smtClean="0">
+                <a:latin typeface="微軟正黑體" panose="020B0604030504040204" pitchFamily="34" charset="-120"/>
+                <a:ea typeface="微軟正黑體" panose="020B0604030504040204" pitchFamily="34" charset="-120"/>
+              </a:rPr>
+              <a:t>:</a:t>
+            </a:r>
+            <a:r>
+              <a:rPr lang="zh-TW" altLang="en-US" dirty="0" smtClean="0">
+                <a:latin typeface="微軟正黑體" panose="020B0604030504040204" pitchFamily="34" charset="-120"/>
+                <a:ea typeface="微軟正黑體" panose="020B0604030504040204" pitchFamily="34" charset="-120"/>
+              </a:rPr>
+              <a:t>網頁</a:t>
+            </a:r>
+            <a:r>
+              <a:rPr lang="en-US" altLang="zh-TW" dirty="0" smtClean="0">
+                <a:latin typeface="微軟正黑體" panose="020B0604030504040204" pitchFamily="34" charset="-120"/>
+                <a:ea typeface="微軟正黑體" panose="020B0604030504040204" pitchFamily="34" charset="-120"/>
+              </a:rPr>
+              <a:t>title</a:t>
+            </a:r>
+            <a:r>
+              <a:rPr lang="zh-TW" altLang="en-US" dirty="0" smtClean="0">
+                <a:latin typeface="微軟正黑體" panose="020B0604030504040204" pitchFamily="34" charset="-120"/>
+                <a:ea typeface="微軟正黑體" panose="020B0604030504040204" pitchFamily="34" charset="-120"/>
+              </a:rPr>
+              <a:t>的說明方式和選項不一致</a:t>
+            </a:r>
+            <a:endParaRPr lang="en-US" altLang="zh-TW" dirty="0" smtClean="0">
+              <a:latin typeface="微軟正黑體" panose="020B0604030504040204" pitchFamily="34" charset="-120"/>
+              <a:ea typeface="微軟正黑體" panose="020B0604030504040204" pitchFamily="34" charset="-120"/>
+            </a:endParaRPr>
+          </a:p>
+        </p:txBody>
+      </p:sp>
+      <p:sp>
+        <p:nvSpPr>
+          <p:cNvPr id="14" name="文字方塊 13"/>
+          <p:cNvSpPr txBox="1"/>
+          <p:nvPr/>
+        </p:nvSpPr>
+        <p:spPr>
+          <a:xfrm>
+            <a:off x="6613236" y="2156261"/>
+            <a:ext cx="4858327" cy="369332"/>
+          </a:xfrm>
+          <a:prstGeom prst="rect">
+            <a:avLst/>
+          </a:prstGeom>
+          <a:noFill/>
+        </p:spPr>
+        <p:txBody>
+          <a:bodyPr wrap="square" rtlCol="0">
+            <a:spAutoFit/>
+          </a:bodyPr>
+          <a:lstStyle/>
+          <a:p>
+            <a:r>
+              <a:rPr lang="zh-TW" altLang="en-US" dirty="0" smtClean="0">
+                <a:latin typeface="微軟正黑體" panose="020B0604030504040204" pitchFamily="34" charset="-120"/>
+                <a:ea typeface="微軟正黑體" panose="020B0604030504040204" pitchFamily="34" charset="-120"/>
+              </a:rPr>
+              <a:t>解決</a:t>
+            </a:r>
+            <a:r>
+              <a:rPr lang="en-US" altLang="zh-TW" dirty="0" smtClean="0">
+                <a:latin typeface="微軟正黑體" panose="020B0604030504040204" pitchFamily="34" charset="-120"/>
+                <a:ea typeface="微軟正黑體" panose="020B0604030504040204" pitchFamily="34" charset="-120"/>
+              </a:rPr>
+              <a:t>:</a:t>
+            </a:r>
+            <a:r>
+              <a:rPr lang="zh-TW" altLang="en-US" dirty="0" smtClean="0">
+                <a:latin typeface="微軟正黑體" panose="020B0604030504040204" pitchFamily="34" charset="-120"/>
+                <a:ea typeface="微軟正黑體" panose="020B0604030504040204" pitchFamily="34" charset="-120"/>
+              </a:rPr>
+              <a:t>更改內容</a:t>
+            </a:r>
+            <a:endParaRPr lang="zh-TW" altLang="en-US" dirty="0">
+              <a:latin typeface="微軟正黑體" panose="020B0604030504040204" pitchFamily="34" charset="-120"/>
+              <a:ea typeface="微軟正黑體" panose="020B0604030504040204" pitchFamily="34" charset="-120"/>
+            </a:endParaRPr>
+          </a:p>
+        </p:txBody>
+      </p:sp>
+    </p:spTree>
+    <p:extLst>
+      <p:ext uri="{BB962C8B-B14F-4D97-AF65-F5344CB8AC3E}">
+        <p14:creationId xmlns:p14="http://schemas.microsoft.com/office/powerpoint/2010/main" val="2305675917"/>
       </p:ext>
     </p:extLst>
   </p:cSld>
@@ -4331,7 +4923,7 @@
   <a:extraClrSchemeLst/>
   <a:extLst>
     <a:ext uri="{05A4C25C-085E-4340-85A3-A5531E510DB2}">
-      <thm15:themeFamily xmlns:thm15="http://schemas.microsoft.com/office/thememl/2012/main" xmlns="" name="Office Theme" id="{62F939B6-93AF-4DB8-9C6B-D6C7DFDC589F}" vid="{4A3C46E8-61CC-4603-A589-7422A47A8E4A}"/>
+      <thm15:themeFamily xmlns:thm15="http://schemas.microsoft.com/office/thememl/2012/main" name="Office Theme" id="{62F939B6-93AF-4DB8-9C6B-D6C7DFDC589F}" vid="{4A3C46E8-61CC-4603-A589-7422A47A8E4A}"/>
     </a:ext>
   </a:extLst>
 </a:theme>
